--- a/trabalhos/t4/slides.pptx
+++ b/trabalhos/t4/slides.pptx
@@ -16,7 +16,10 @@
     <p:sldId id="264" r:id="rId10"/>
     <p:sldId id="265" r:id="rId11"/>
     <p:sldId id="266" r:id="rId12"/>
-    <p:sldId id="267" r:id="rId13"/>
+    <p:sldId id="268" r:id="rId13"/>
+    <p:sldId id="269" r:id="rId14"/>
+    <p:sldId id="270" r:id="rId15"/>
+    <p:sldId id="267" r:id="rId16"/>
   </p:sldIdLst>
   <p:sldSz cx="9144000" cy="6858000" type="screen4x3"/>
   <p:notesSz cx="6858000" cy="9144000"/>
@@ -4130,6 +4133,1110 @@
 </file>
 
 <file path=ppt/slides/slide12.xml><?xml version="1.0" encoding="utf-8"?>
+<p:sld xmlns:a="http://schemas.openxmlformats.org/drawingml/2006/main" xmlns:r="http://schemas.openxmlformats.org/officeDocument/2006/relationships" xmlns:p="http://schemas.openxmlformats.org/presentationml/2006/main">
+  <p:cSld>
+    <p:spTree>
+      <p:nvGrpSpPr>
+        <p:cNvPr id="1" name=""/>
+        <p:cNvGrpSpPr/>
+        <p:nvPr/>
+      </p:nvGrpSpPr>
+      <p:grpSpPr>
+        <a:xfrm>
+          <a:off x="0" y="0"/>
+          <a:ext cx="0" cy="0"/>
+          <a:chOff x="0" y="0"/>
+          <a:chExt cx="0" cy="0"/>
+        </a:xfrm>
+      </p:grpSpPr>
+      <p:sp>
+        <p:nvSpPr>
+          <p:cNvPr id="2" name="Título 1"/>
+          <p:cNvSpPr>
+            <a:spLocks noGrp="1"/>
+          </p:cNvSpPr>
+          <p:nvPr>
+            <p:ph type="title"/>
+          </p:nvPr>
+        </p:nvSpPr>
+        <p:spPr/>
+        <p:txBody>
+          <a:bodyPr>
+            <a:normAutofit fontScale="90000"/>
+          </a:bodyPr>
+          <a:lstStyle/>
+          <a:p>
+            <a:r>
+              <a:rPr lang="pt-BR" dirty="0" smtClean="0"/>
+              <a:t>Execução Cluster Georgia State University</a:t>
+            </a:r>
+            <a:endParaRPr lang="pt-BR" dirty="0"/>
+          </a:p>
+        </p:txBody>
+      </p:sp>
+      <p:sp>
+        <p:nvSpPr>
+          <p:cNvPr id="3" name="Espaço Reservado para Conteúdo 2"/>
+          <p:cNvSpPr>
+            <a:spLocks noGrp="1"/>
+          </p:cNvSpPr>
+          <p:nvPr>
+            <p:ph idx="1"/>
+          </p:nvPr>
+        </p:nvSpPr>
+        <p:spPr/>
+        <p:txBody>
+          <a:bodyPr/>
+          <a:lstStyle/>
+          <a:p>
+            <a:r>
+              <a:rPr lang="pt-BR" dirty="0" smtClean="0"/>
+              <a:t>Schedule dynamic</a:t>
+            </a:r>
+          </a:p>
+          <a:p>
+            <a:endParaRPr lang="pt-BR" dirty="0" smtClean="0"/>
+          </a:p>
+          <a:p>
+            <a:r>
+              <a:rPr lang="pt-BR" dirty="0" smtClean="0"/>
+              <a:t>Tamanho </a:t>
+            </a:r>
+            <a:r>
+              <a:rPr lang="pt-BR" dirty="0"/>
+              <a:t>512 e frame 32</a:t>
+            </a:r>
+          </a:p>
+          <a:p>
+            <a:r>
+              <a:rPr lang="pt-BR" dirty="0"/>
+              <a:t>Tempo execução: </a:t>
+            </a:r>
+            <a:r>
+              <a:rPr lang="pt-BR" dirty="0" smtClean="0"/>
+              <a:t>2,88s</a:t>
+            </a:r>
+          </a:p>
+          <a:p>
+            <a:endParaRPr lang="pt-BR" dirty="0" smtClean="0"/>
+          </a:p>
+          <a:p>
+            <a:endParaRPr lang="pt-BR" dirty="0"/>
+          </a:p>
+          <a:p>
+            <a:r>
+              <a:rPr lang="pt-BR" dirty="0"/>
+              <a:t>Tamanho 512 e frame </a:t>
+            </a:r>
+            <a:r>
+              <a:rPr lang="pt-BR" dirty="0" smtClean="0"/>
+              <a:t>64</a:t>
+            </a:r>
+            <a:endParaRPr lang="pt-BR" dirty="0"/>
+          </a:p>
+          <a:p>
+            <a:r>
+              <a:rPr lang="pt-BR" dirty="0"/>
+              <a:t>Tempo execução: </a:t>
+            </a:r>
+            <a:r>
+              <a:rPr lang="pt-BR" dirty="0" smtClean="0"/>
+              <a:t>4,58s</a:t>
+            </a:r>
+            <a:endParaRPr lang="pt-BR" dirty="0"/>
+          </a:p>
+        </p:txBody>
+      </p:sp>
+      <p:pic>
+        <p:nvPicPr>
+          <p:cNvPr id="4" name="Imagem 3"/>
+          <p:cNvPicPr>
+            <a:picLocks noChangeAspect="1"/>
+          </p:cNvPicPr>
+          <p:nvPr/>
+        </p:nvPicPr>
+        <p:blipFill>
+          <a:blip r:embed="rId2">
+            <a:extLst>
+              <a:ext uri="{28A0092B-C50C-407E-A947-70E740481C1C}">
+                <a14:useLocalDpi xmlns:a14="http://schemas.microsoft.com/office/drawing/2010/main" val="0"/>
+              </a:ext>
+            </a:extLst>
+          </a:blip>
+          <a:stretch>
+            <a:fillRect/>
+          </a:stretch>
+        </p:blipFill>
+        <p:spPr>
+          <a:xfrm>
+            <a:off x="5052654" y="2564904"/>
+            <a:ext cx="3734321" cy="657317"/>
+          </a:xfrm>
+          <a:prstGeom prst="rect">
+            <a:avLst/>
+          </a:prstGeom>
+        </p:spPr>
+      </p:pic>
+      <p:pic>
+        <p:nvPicPr>
+          <p:cNvPr id="5" name="Imagem 4"/>
+          <p:cNvPicPr>
+            <a:picLocks noChangeAspect="1"/>
+          </p:cNvPicPr>
+          <p:nvPr/>
+        </p:nvPicPr>
+        <p:blipFill>
+          <a:blip r:embed="rId3">
+            <a:extLst>
+              <a:ext uri="{28A0092B-C50C-407E-A947-70E740481C1C}">
+                <a14:useLocalDpi xmlns:a14="http://schemas.microsoft.com/office/drawing/2010/main" val="0"/>
+              </a:ext>
+            </a:extLst>
+          </a:blip>
+          <a:stretch>
+            <a:fillRect/>
+          </a:stretch>
+        </p:blipFill>
+        <p:spPr>
+          <a:xfrm>
+            <a:off x="5128864" y="4293096"/>
+            <a:ext cx="3581900" cy="628738"/>
+          </a:xfrm>
+          <a:prstGeom prst="rect">
+            <a:avLst/>
+          </a:prstGeom>
+        </p:spPr>
+      </p:pic>
+    </p:spTree>
+    <p:extLst>
+      <p:ext uri="{BB962C8B-B14F-4D97-AF65-F5344CB8AC3E}">
+        <p14:creationId xmlns:p14="http://schemas.microsoft.com/office/powerpoint/2010/main" val="1634114857"/>
+      </p:ext>
+    </p:extLst>
+  </p:cSld>
+  <p:clrMapOvr>
+    <a:masterClrMapping/>
+  </p:clrMapOvr>
+</p:sld>
+</file>
+
+<file path=ppt/slides/slide13.xml><?xml version="1.0" encoding="utf-8"?>
+<p:sld xmlns:a="http://schemas.openxmlformats.org/drawingml/2006/main" xmlns:r="http://schemas.openxmlformats.org/officeDocument/2006/relationships" xmlns:p="http://schemas.openxmlformats.org/presentationml/2006/main">
+  <p:cSld>
+    <p:spTree>
+      <p:nvGrpSpPr>
+        <p:cNvPr id="1" name=""/>
+        <p:cNvGrpSpPr/>
+        <p:nvPr/>
+      </p:nvGrpSpPr>
+      <p:grpSpPr>
+        <a:xfrm>
+          <a:off x="0" y="0"/>
+          <a:ext cx="0" cy="0"/>
+          <a:chOff x="0" y="0"/>
+          <a:chExt cx="0" cy="0"/>
+        </a:xfrm>
+      </p:grpSpPr>
+      <p:sp>
+        <p:nvSpPr>
+          <p:cNvPr id="2" name="Título 1"/>
+          <p:cNvSpPr>
+            <a:spLocks noGrp="1"/>
+          </p:cNvSpPr>
+          <p:nvPr>
+            <p:ph type="title"/>
+          </p:nvPr>
+        </p:nvSpPr>
+        <p:spPr/>
+        <p:txBody>
+          <a:bodyPr>
+            <a:normAutofit fontScale="90000"/>
+          </a:bodyPr>
+          <a:lstStyle/>
+          <a:p>
+            <a:r>
+              <a:rPr lang="pt-BR" dirty="0"/>
+              <a:t>Execução Cluster Georgia State University</a:t>
+            </a:r>
+          </a:p>
+        </p:txBody>
+      </p:sp>
+      <p:sp>
+        <p:nvSpPr>
+          <p:cNvPr id="3" name="Espaço Reservado para Conteúdo 2"/>
+          <p:cNvSpPr>
+            <a:spLocks noGrp="1"/>
+          </p:cNvSpPr>
+          <p:nvPr>
+            <p:ph idx="1"/>
+          </p:nvPr>
+        </p:nvSpPr>
+        <p:spPr/>
+        <p:txBody>
+          <a:bodyPr/>
+          <a:lstStyle/>
+          <a:p>
+            <a:r>
+              <a:rPr lang="pt-BR" dirty="0"/>
+              <a:t>Schedule dynamic</a:t>
+            </a:r>
+          </a:p>
+          <a:p>
+            <a:endParaRPr lang="pt-BR" dirty="0"/>
+          </a:p>
+          <a:p>
+            <a:r>
+              <a:rPr lang="pt-BR" dirty="0"/>
+              <a:t>Tamanho </a:t>
+            </a:r>
+            <a:r>
+              <a:rPr lang="pt-BR" dirty="0" smtClean="0"/>
+              <a:t>1024 </a:t>
+            </a:r>
+            <a:r>
+              <a:rPr lang="pt-BR" dirty="0"/>
+              <a:t>e frame 32</a:t>
+            </a:r>
+          </a:p>
+          <a:p>
+            <a:r>
+              <a:rPr lang="pt-BR" dirty="0"/>
+              <a:t>Tempo execução: </a:t>
+            </a:r>
+            <a:r>
+              <a:rPr lang="pt-BR" dirty="0" smtClean="0"/>
+              <a:t>9,53s</a:t>
+            </a:r>
+            <a:endParaRPr lang="pt-BR" dirty="0"/>
+          </a:p>
+          <a:p>
+            <a:endParaRPr lang="pt-BR" dirty="0"/>
+          </a:p>
+          <a:p>
+            <a:endParaRPr lang="pt-BR" dirty="0"/>
+          </a:p>
+          <a:p>
+            <a:r>
+              <a:rPr lang="pt-BR" dirty="0"/>
+              <a:t>Tamanho </a:t>
+            </a:r>
+            <a:r>
+              <a:rPr lang="pt-BR" dirty="0" smtClean="0"/>
+              <a:t>1024 </a:t>
+            </a:r>
+            <a:r>
+              <a:rPr lang="pt-BR" dirty="0"/>
+              <a:t>e frame 64</a:t>
+            </a:r>
+          </a:p>
+          <a:p>
+            <a:r>
+              <a:rPr lang="pt-BR" dirty="0"/>
+              <a:t>Tempo execução: </a:t>
+            </a:r>
+            <a:r>
+              <a:rPr lang="pt-BR" dirty="0" smtClean="0"/>
+              <a:t>16,29s</a:t>
+            </a:r>
+            <a:endParaRPr lang="pt-BR" dirty="0"/>
+          </a:p>
+          <a:p>
+            <a:endParaRPr lang="pt-BR" dirty="0"/>
+          </a:p>
+        </p:txBody>
+      </p:sp>
+      <p:pic>
+        <p:nvPicPr>
+          <p:cNvPr id="4" name="Imagem 3"/>
+          <p:cNvPicPr>
+            <a:picLocks noChangeAspect="1"/>
+          </p:cNvPicPr>
+          <p:nvPr/>
+        </p:nvPicPr>
+        <p:blipFill>
+          <a:blip r:embed="rId2">
+            <a:extLst>
+              <a:ext uri="{28A0092B-C50C-407E-A947-70E740481C1C}">
+                <a14:useLocalDpi xmlns:a14="http://schemas.microsoft.com/office/drawing/2010/main" val="0"/>
+              </a:ext>
+            </a:extLst>
+          </a:blip>
+          <a:stretch>
+            <a:fillRect/>
+          </a:stretch>
+        </p:blipFill>
+        <p:spPr>
+          <a:xfrm>
+            <a:off x="4788024" y="2502953"/>
+            <a:ext cx="3648584" cy="628738"/>
+          </a:xfrm>
+          <a:prstGeom prst="rect">
+            <a:avLst/>
+          </a:prstGeom>
+        </p:spPr>
+      </p:pic>
+      <p:pic>
+        <p:nvPicPr>
+          <p:cNvPr id="5" name="Imagem 4"/>
+          <p:cNvPicPr>
+            <a:picLocks noChangeAspect="1"/>
+          </p:cNvPicPr>
+          <p:nvPr/>
+        </p:nvPicPr>
+        <p:blipFill>
+          <a:blip r:embed="rId3">
+            <a:extLst>
+              <a:ext uri="{28A0092B-C50C-407E-A947-70E740481C1C}">
+                <a14:useLocalDpi xmlns:a14="http://schemas.microsoft.com/office/drawing/2010/main" val="0"/>
+              </a:ext>
+            </a:extLst>
+          </a:blip>
+          <a:stretch>
+            <a:fillRect/>
+          </a:stretch>
+        </p:blipFill>
+        <p:spPr>
+          <a:xfrm>
+            <a:off x="4815940" y="4297073"/>
+            <a:ext cx="3562847" cy="628738"/>
+          </a:xfrm>
+          <a:prstGeom prst="rect">
+            <a:avLst/>
+          </a:prstGeom>
+        </p:spPr>
+      </p:pic>
+    </p:spTree>
+    <p:extLst>
+      <p:ext uri="{BB962C8B-B14F-4D97-AF65-F5344CB8AC3E}">
+        <p14:creationId xmlns:p14="http://schemas.microsoft.com/office/powerpoint/2010/main" val="2274220686"/>
+      </p:ext>
+    </p:extLst>
+  </p:cSld>
+  <p:clrMapOvr>
+    <a:masterClrMapping/>
+  </p:clrMapOvr>
+</p:sld>
+</file>
+
+<file path=ppt/slides/slide14.xml><?xml version="1.0" encoding="utf-8"?>
+<p:sld xmlns:a="http://schemas.openxmlformats.org/drawingml/2006/main" xmlns:r="http://schemas.openxmlformats.org/officeDocument/2006/relationships" xmlns:p="http://schemas.openxmlformats.org/presentationml/2006/main">
+  <p:cSld>
+    <p:spTree>
+      <p:nvGrpSpPr>
+        <p:cNvPr id="1" name=""/>
+        <p:cNvGrpSpPr/>
+        <p:nvPr/>
+      </p:nvGrpSpPr>
+      <p:grpSpPr>
+        <a:xfrm>
+          <a:off x="0" y="0"/>
+          <a:ext cx="0" cy="0"/>
+          <a:chOff x="0" y="0"/>
+          <a:chExt cx="0" cy="0"/>
+        </a:xfrm>
+      </p:grpSpPr>
+      <p:sp>
+        <p:nvSpPr>
+          <p:cNvPr id="2" name="Título 1"/>
+          <p:cNvSpPr>
+            <a:spLocks noGrp="1"/>
+          </p:cNvSpPr>
+          <p:nvPr>
+            <p:ph type="title"/>
+          </p:nvPr>
+        </p:nvSpPr>
+        <p:spPr/>
+        <p:txBody>
+          <a:bodyPr/>
+          <a:lstStyle/>
+          <a:p>
+            <a:r>
+              <a:rPr lang="pt-BR" dirty="0" smtClean="0"/>
+              <a:t>Comparação corei5 x Cluster</a:t>
+            </a:r>
+            <a:endParaRPr lang="pt-BR" dirty="0"/>
+          </a:p>
+        </p:txBody>
+      </p:sp>
+      <p:graphicFrame>
+        <p:nvGraphicFramePr>
+          <p:cNvPr id="4" name="Espaço Reservado para Conteúdo 3"/>
+          <p:cNvGraphicFramePr>
+            <a:graphicFrameLocks noGrp="1"/>
+          </p:cNvGraphicFramePr>
+          <p:nvPr>
+            <p:ph idx="1"/>
+            <p:extLst>
+              <p:ext uri="{D42A27DB-BD31-4B8C-83A1-F6EECF244321}">
+                <p14:modId xmlns:p14="http://schemas.microsoft.com/office/powerpoint/2010/main" val="4216877956"/>
+              </p:ext>
+            </p:extLst>
+          </p:nvPr>
+        </p:nvGraphicFramePr>
+        <p:xfrm>
+          <a:off x="457200" y="1600200"/>
+          <a:ext cx="8229600" cy="1752600"/>
+        </p:xfrm>
+        <a:graphic>
+          <a:graphicData uri="http://schemas.openxmlformats.org/drawingml/2006/table">
+            <a:tbl>
+              <a:tblPr firstRow="1" bandRow="1">
+                <a:tableStyleId>{5C22544A-7EE6-4342-B048-85BDC9FD1C3A}</a:tableStyleId>
+              </a:tblPr>
+              <a:tblGrid>
+                <a:gridCol w="1645920"/>
+                <a:gridCol w="1645920"/>
+                <a:gridCol w="1645920"/>
+                <a:gridCol w="1645920"/>
+                <a:gridCol w="1645920"/>
+              </a:tblGrid>
+              <a:tr h="370840">
+                <a:tc>
+                  <a:txBody>
+                    <a:bodyPr/>
+                    <a:lstStyle/>
+                    <a:p>
+                      <a:endParaRPr lang="pt-BR" dirty="0"/>
+                    </a:p>
+                  </a:txBody>
+                  <a:tcPr/>
+                </a:tc>
+                <a:tc>
+                  <a:txBody>
+                    <a:bodyPr/>
+                    <a:lstStyle/>
+                    <a:p>
+                      <a:r>
+                        <a:rPr lang="pt-BR" dirty="0" smtClean="0"/>
+                        <a:t>512/32</a:t>
+                      </a:r>
+                      <a:endParaRPr lang="pt-BR" dirty="0"/>
+                    </a:p>
+                  </a:txBody>
+                  <a:tcPr/>
+                </a:tc>
+                <a:tc>
+                  <a:txBody>
+                    <a:bodyPr/>
+                    <a:lstStyle/>
+                    <a:p>
+                      <a:r>
+                        <a:rPr lang="pt-BR" dirty="0" smtClean="0"/>
+                        <a:t>512/64</a:t>
+                      </a:r>
+                      <a:endParaRPr lang="pt-BR" dirty="0"/>
+                    </a:p>
+                  </a:txBody>
+                  <a:tcPr/>
+                </a:tc>
+                <a:tc>
+                  <a:txBody>
+                    <a:bodyPr/>
+                    <a:lstStyle/>
+                    <a:p>
+                      <a:r>
+                        <a:rPr lang="pt-BR" dirty="0" smtClean="0"/>
+                        <a:t>1024/32</a:t>
+                      </a:r>
+                      <a:endParaRPr lang="pt-BR" dirty="0"/>
+                    </a:p>
+                  </a:txBody>
+                  <a:tcPr/>
+                </a:tc>
+                <a:tc>
+                  <a:txBody>
+                    <a:bodyPr/>
+                    <a:lstStyle/>
+                    <a:p>
+                      <a:r>
+                        <a:rPr lang="pt-BR" dirty="0" smtClean="0"/>
+                        <a:t>1024/64</a:t>
+                      </a:r>
+                      <a:endParaRPr lang="pt-BR" dirty="0"/>
+                    </a:p>
+                  </a:txBody>
+                  <a:tcPr/>
+                </a:tc>
+              </a:tr>
+              <a:tr h="370840">
+                <a:tc>
+                  <a:txBody>
+                    <a:bodyPr/>
+                    <a:lstStyle/>
+                    <a:p>
+                      <a:r>
+                        <a:rPr lang="pt-BR" dirty="0" smtClean="0"/>
+                        <a:t>Base</a:t>
+                      </a:r>
+                      <a:endParaRPr lang="pt-BR" dirty="0"/>
+                    </a:p>
+                  </a:txBody>
+                  <a:tcPr/>
+                </a:tc>
+                <a:tc>
+                  <a:txBody>
+                    <a:bodyPr/>
+                    <a:lstStyle/>
+                    <a:p>
+                      <a:r>
+                        <a:rPr lang="pt-BR" dirty="0" smtClean="0"/>
+                        <a:t>12,45s</a:t>
+                      </a:r>
+                      <a:endParaRPr lang="pt-BR" dirty="0"/>
+                    </a:p>
+                  </a:txBody>
+                  <a:tcPr/>
+                </a:tc>
+                <a:tc>
+                  <a:txBody>
+                    <a:bodyPr/>
+                    <a:lstStyle/>
+                    <a:p>
+                      <a:r>
+                        <a:rPr lang="pt-BR" dirty="0" smtClean="0"/>
+                        <a:t>25,45s</a:t>
+                      </a:r>
+                      <a:endParaRPr lang="pt-BR" dirty="0"/>
+                    </a:p>
+                  </a:txBody>
+                  <a:tcPr/>
+                </a:tc>
+                <a:tc>
+                  <a:txBody>
+                    <a:bodyPr/>
+                    <a:lstStyle/>
+                    <a:p>
+                      <a:r>
+                        <a:rPr lang="pt-BR" dirty="0" smtClean="0"/>
+                        <a:t>49,43s</a:t>
+                      </a:r>
+                      <a:endParaRPr lang="pt-BR" dirty="0"/>
+                    </a:p>
+                  </a:txBody>
+                  <a:tcPr/>
+                </a:tc>
+                <a:tc>
+                  <a:txBody>
+                    <a:bodyPr/>
+                    <a:lstStyle/>
+                    <a:p>
+                      <a:r>
+                        <a:rPr lang="pt-BR" dirty="0" smtClean="0"/>
+                        <a:t>95,85s</a:t>
+                      </a:r>
+                      <a:endParaRPr lang="pt-BR" dirty="0"/>
+                    </a:p>
+                  </a:txBody>
+                  <a:tcPr/>
+                </a:tc>
+              </a:tr>
+              <a:tr h="370840">
+                <a:tc>
+                  <a:txBody>
+                    <a:bodyPr/>
+                    <a:lstStyle/>
+                    <a:p>
+                      <a:r>
+                        <a:rPr lang="pt-BR" dirty="0" smtClean="0"/>
+                        <a:t>Dynamic(corei5)</a:t>
+                      </a:r>
+                      <a:endParaRPr lang="pt-BR" dirty="0"/>
+                    </a:p>
+                  </a:txBody>
+                  <a:tcPr/>
+                </a:tc>
+                <a:tc>
+                  <a:txBody>
+                    <a:bodyPr/>
+                    <a:lstStyle/>
+                    <a:p>
+                      <a:r>
+                        <a:rPr lang="pt-BR" dirty="0" smtClean="0"/>
+                        <a:t>4,05s</a:t>
+                      </a:r>
+                      <a:endParaRPr lang="pt-BR" dirty="0"/>
+                    </a:p>
+                  </a:txBody>
+                  <a:tcPr/>
+                </a:tc>
+                <a:tc>
+                  <a:txBody>
+                    <a:bodyPr/>
+                    <a:lstStyle/>
+                    <a:p>
+                      <a:r>
+                        <a:rPr lang="pt-BR" dirty="0" smtClean="0"/>
+                        <a:t>7,27s</a:t>
+                      </a:r>
+                      <a:endParaRPr lang="pt-BR" dirty="0"/>
+                    </a:p>
+                  </a:txBody>
+                  <a:tcPr/>
+                </a:tc>
+                <a:tc>
+                  <a:txBody>
+                    <a:bodyPr/>
+                    <a:lstStyle/>
+                    <a:p>
+                      <a:r>
+                        <a:rPr lang="pt-BR" dirty="0" smtClean="0"/>
+                        <a:t>16,69s</a:t>
+                      </a:r>
+                      <a:endParaRPr lang="pt-BR" dirty="0"/>
+                    </a:p>
+                  </a:txBody>
+                  <a:tcPr/>
+                </a:tc>
+                <a:tc>
+                  <a:txBody>
+                    <a:bodyPr/>
+                    <a:lstStyle/>
+                    <a:p>
+                      <a:r>
+                        <a:rPr lang="pt-BR" dirty="0" smtClean="0"/>
+                        <a:t>30,01s</a:t>
+                      </a:r>
+                      <a:endParaRPr lang="pt-BR" dirty="0"/>
+                    </a:p>
+                  </a:txBody>
+                  <a:tcPr/>
+                </a:tc>
+              </a:tr>
+              <a:tr h="370840">
+                <a:tc>
+                  <a:txBody>
+                    <a:bodyPr/>
+                    <a:lstStyle/>
+                    <a:p>
+                      <a:r>
+                        <a:rPr lang="pt-BR" dirty="0" smtClean="0"/>
+                        <a:t>Cluster</a:t>
+                      </a:r>
+                      <a:endParaRPr lang="pt-BR" dirty="0"/>
+                    </a:p>
+                  </a:txBody>
+                  <a:tcPr/>
+                </a:tc>
+                <a:tc>
+                  <a:txBody>
+                    <a:bodyPr/>
+                    <a:lstStyle/>
+                    <a:p>
+                      <a:r>
+                        <a:rPr lang="pt-BR" dirty="0" smtClean="0"/>
+                        <a:t>2,88s</a:t>
+                      </a:r>
+                      <a:endParaRPr lang="pt-BR" dirty="0"/>
+                    </a:p>
+                  </a:txBody>
+                  <a:tcPr/>
+                </a:tc>
+                <a:tc>
+                  <a:txBody>
+                    <a:bodyPr/>
+                    <a:lstStyle/>
+                    <a:p>
+                      <a:r>
+                        <a:rPr lang="pt-BR" dirty="0" smtClean="0"/>
+                        <a:t>4,58s</a:t>
+                      </a:r>
+                      <a:endParaRPr lang="pt-BR" dirty="0"/>
+                    </a:p>
+                  </a:txBody>
+                  <a:tcPr/>
+                </a:tc>
+                <a:tc>
+                  <a:txBody>
+                    <a:bodyPr/>
+                    <a:lstStyle/>
+                    <a:p>
+                      <a:r>
+                        <a:rPr lang="pt-BR" dirty="0" smtClean="0"/>
+                        <a:t>9,53s</a:t>
+                      </a:r>
+                      <a:endParaRPr lang="pt-BR" dirty="0"/>
+                    </a:p>
+                  </a:txBody>
+                  <a:tcPr/>
+                </a:tc>
+                <a:tc>
+                  <a:txBody>
+                    <a:bodyPr/>
+                    <a:lstStyle/>
+                    <a:p>
+                      <a:r>
+                        <a:rPr lang="pt-BR" dirty="0" smtClean="0"/>
+                        <a:t>16,29s</a:t>
+                      </a:r>
+                      <a:endParaRPr lang="pt-BR" dirty="0"/>
+                    </a:p>
+                  </a:txBody>
+                  <a:tcPr/>
+                </a:tc>
+              </a:tr>
+            </a:tbl>
+          </a:graphicData>
+        </a:graphic>
+      </p:graphicFrame>
+      <p:sp>
+        <p:nvSpPr>
+          <p:cNvPr id="5" name="Título 1"/>
+          <p:cNvSpPr txBox="1">
+            <a:spLocks/>
+          </p:cNvSpPr>
+          <p:nvPr/>
+        </p:nvSpPr>
+        <p:spPr>
+          <a:xfrm>
+            <a:off x="609600" y="3501008"/>
+            <a:ext cx="8229600" cy="990600"/>
+          </a:xfrm>
+          <a:prstGeom prst="rect">
+            <a:avLst/>
+          </a:prstGeom>
+        </p:spPr>
+        <p:txBody>
+          <a:bodyPr vert="horz" lIns="91440" tIns="45720" rIns="91440" bIns="45720" rtlCol="0" anchor="ctr">
+            <a:normAutofit/>
+          </a:bodyPr>
+          <a:lstStyle>
+            <a:lvl1pPr algn="l" defTabSz="914400" rtl="0" eaLnBrk="1" latinLnBrk="0" hangingPunct="1">
+              <a:spcBef>
+                <a:spcPct val="0"/>
+              </a:spcBef>
+              <a:buNone/>
+              <a:defRPr sz="4000" kern="1200" spc="-100" baseline="0">
+                <a:solidFill>
+                  <a:schemeClr val="tx2"/>
+                </a:solidFill>
+                <a:latin typeface="+mj-lt"/>
+                <a:ea typeface="+mj-ea"/>
+                <a:cs typeface="+mj-cs"/>
+              </a:defRPr>
+            </a:lvl1pPr>
+          </a:lstStyle>
+          <a:p>
+            <a:r>
+              <a:rPr lang="pt-BR" dirty="0" smtClean="0"/>
+              <a:t>SpeedUp corei5 x Cluster</a:t>
+            </a:r>
+            <a:endParaRPr lang="pt-BR" dirty="0"/>
+          </a:p>
+        </p:txBody>
+      </p:sp>
+      <p:graphicFrame>
+        <p:nvGraphicFramePr>
+          <p:cNvPr id="6" name="Tabela 5"/>
+          <p:cNvGraphicFramePr>
+            <a:graphicFrameLocks noGrp="1"/>
+          </p:cNvGraphicFramePr>
+          <p:nvPr>
+            <p:extLst>
+              <p:ext uri="{D42A27DB-BD31-4B8C-83A1-F6EECF244321}">
+                <p14:modId xmlns:p14="http://schemas.microsoft.com/office/powerpoint/2010/main" val="552540275"/>
+              </p:ext>
+            </p:extLst>
+          </p:nvPr>
+        </p:nvGraphicFramePr>
+        <p:xfrm>
+          <a:off x="609600" y="4491608"/>
+          <a:ext cx="7898920" cy="1882218"/>
+        </p:xfrm>
+        <a:graphic>
+          <a:graphicData uri="http://schemas.openxmlformats.org/drawingml/2006/table">
+            <a:tbl>
+              <a:tblPr firstRow="1" bandRow="1">
+                <a:tableStyleId>{5C22544A-7EE6-4342-B048-85BDC9FD1C3A}</a:tableStyleId>
+              </a:tblPr>
+              <a:tblGrid>
+                <a:gridCol w="1579784"/>
+                <a:gridCol w="1579784"/>
+                <a:gridCol w="1579784"/>
+                <a:gridCol w="1579784"/>
+                <a:gridCol w="1579784"/>
+              </a:tblGrid>
+              <a:tr h="414046">
+                <a:tc>
+                  <a:txBody>
+                    <a:bodyPr/>
+                    <a:lstStyle/>
+                    <a:p>
+                      <a:endParaRPr lang="pt-BR" dirty="0"/>
+                    </a:p>
+                  </a:txBody>
+                  <a:tcPr/>
+                </a:tc>
+                <a:tc>
+                  <a:txBody>
+                    <a:bodyPr/>
+                    <a:lstStyle/>
+                    <a:p>
+                      <a:r>
+                        <a:rPr lang="pt-BR" dirty="0" smtClean="0"/>
+                        <a:t>512/32</a:t>
+                      </a:r>
+                      <a:endParaRPr lang="pt-BR" dirty="0"/>
+                    </a:p>
+                  </a:txBody>
+                  <a:tcPr/>
+                </a:tc>
+                <a:tc>
+                  <a:txBody>
+                    <a:bodyPr/>
+                    <a:lstStyle/>
+                    <a:p>
+                      <a:r>
+                        <a:rPr lang="pt-BR" dirty="0" smtClean="0"/>
+                        <a:t>512/64</a:t>
+                      </a:r>
+                      <a:endParaRPr lang="pt-BR" dirty="0"/>
+                    </a:p>
+                  </a:txBody>
+                  <a:tcPr/>
+                </a:tc>
+                <a:tc>
+                  <a:txBody>
+                    <a:bodyPr/>
+                    <a:lstStyle/>
+                    <a:p>
+                      <a:r>
+                        <a:rPr lang="pt-BR" dirty="0" smtClean="0"/>
+                        <a:t>1024/32</a:t>
+                      </a:r>
+                      <a:endParaRPr lang="pt-BR" dirty="0"/>
+                    </a:p>
+                  </a:txBody>
+                  <a:tcPr/>
+                </a:tc>
+                <a:tc>
+                  <a:txBody>
+                    <a:bodyPr/>
+                    <a:lstStyle/>
+                    <a:p>
+                      <a:r>
+                        <a:rPr lang="pt-BR" dirty="0" smtClean="0"/>
+                        <a:t>1024/64</a:t>
+                      </a:r>
+                      <a:endParaRPr lang="pt-BR" dirty="0"/>
+                    </a:p>
+                  </a:txBody>
+                  <a:tcPr/>
+                </a:tc>
+              </a:tr>
+              <a:tr h="414046">
+                <a:tc>
+                  <a:txBody>
+                    <a:bodyPr/>
+                    <a:lstStyle/>
+                    <a:p>
+                      <a:pPr marL="0" marR="0" indent="0" algn="l" defTabSz="914400" rtl="0" eaLnBrk="1" fontAlgn="auto" latinLnBrk="0" hangingPunct="1">
+                        <a:lnSpc>
+                          <a:spcPct val="100000"/>
+                        </a:lnSpc>
+                        <a:spcBef>
+                          <a:spcPts val="0"/>
+                        </a:spcBef>
+                        <a:spcAft>
+                          <a:spcPts val="0"/>
+                        </a:spcAft>
+                        <a:buClrTx/>
+                        <a:buSzTx/>
+                        <a:buFontTx/>
+                        <a:buNone/>
+                        <a:tabLst/>
+                        <a:defRPr/>
+                      </a:pPr>
+                      <a:r>
+                        <a:rPr lang="pt-BR" dirty="0" smtClean="0"/>
+                        <a:t>Dynamic(corei5)</a:t>
+                      </a:r>
+                    </a:p>
+                  </a:txBody>
+                  <a:tcPr/>
+                </a:tc>
+                <a:tc>
+                  <a:txBody>
+                    <a:bodyPr/>
+                    <a:lstStyle/>
+                    <a:p>
+                      <a:endParaRPr lang="pt-BR"/>
+                    </a:p>
+                  </a:txBody>
+                  <a:tcPr/>
+                </a:tc>
+                <a:tc>
+                  <a:txBody>
+                    <a:bodyPr/>
+                    <a:lstStyle/>
+                    <a:p>
+                      <a:endParaRPr lang="pt-BR"/>
+                    </a:p>
+                  </a:txBody>
+                  <a:tcPr/>
+                </a:tc>
+                <a:tc>
+                  <a:txBody>
+                    <a:bodyPr/>
+                    <a:lstStyle/>
+                    <a:p>
+                      <a:endParaRPr lang="pt-BR"/>
+                    </a:p>
+                  </a:txBody>
+                  <a:tcPr/>
+                </a:tc>
+                <a:tc>
+                  <a:txBody>
+                    <a:bodyPr/>
+                    <a:lstStyle/>
+                    <a:p>
+                      <a:endParaRPr lang="pt-BR"/>
+                    </a:p>
+                  </a:txBody>
+                  <a:tcPr/>
+                </a:tc>
+              </a:tr>
+              <a:tr h="414046">
+                <a:tc>
+                  <a:txBody>
+                    <a:bodyPr/>
+                    <a:lstStyle/>
+                    <a:p>
+                      <a:r>
+                        <a:rPr lang="pt-BR" dirty="0" smtClean="0"/>
+                        <a:t>Cluster</a:t>
+                      </a:r>
+                      <a:endParaRPr lang="pt-BR" dirty="0"/>
+                    </a:p>
+                  </a:txBody>
+                  <a:tcPr/>
+                </a:tc>
+                <a:tc>
+                  <a:txBody>
+                    <a:bodyPr/>
+                    <a:lstStyle/>
+                    <a:p>
+                      <a:r>
+                        <a:rPr lang="pt-BR" dirty="0" smtClean="0"/>
+                        <a:t>1,406</a:t>
+                      </a:r>
+                      <a:endParaRPr lang="pt-BR" dirty="0"/>
+                    </a:p>
+                  </a:txBody>
+                  <a:tcPr/>
+                </a:tc>
+                <a:tc>
+                  <a:txBody>
+                    <a:bodyPr/>
+                    <a:lstStyle/>
+                    <a:p>
+                      <a:r>
+                        <a:rPr lang="pt-BR" dirty="0" smtClean="0"/>
+                        <a:t>1,587</a:t>
+                      </a:r>
+                      <a:endParaRPr lang="pt-BR" dirty="0"/>
+                    </a:p>
+                  </a:txBody>
+                  <a:tcPr/>
+                </a:tc>
+                <a:tc>
+                  <a:txBody>
+                    <a:bodyPr/>
+                    <a:lstStyle/>
+                    <a:p>
+                      <a:r>
+                        <a:rPr lang="pt-BR" dirty="0" smtClean="0"/>
+                        <a:t>1,751</a:t>
+                      </a:r>
+                      <a:endParaRPr lang="pt-BR" dirty="0"/>
+                    </a:p>
+                  </a:txBody>
+                  <a:tcPr/>
+                </a:tc>
+                <a:tc>
+                  <a:txBody>
+                    <a:bodyPr/>
+                    <a:lstStyle/>
+                    <a:p>
+                      <a:r>
+                        <a:rPr lang="pt-BR" dirty="0" smtClean="0"/>
+                        <a:t>1,842</a:t>
+                      </a:r>
+                      <a:endParaRPr lang="pt-BR" dirty="0"/>
+                    </a:p>
+                  </a:txBody>
+                  <a:tcPr/>
+                </a:tc>
+              </a:tr>
+              <a:tr h="414046">
+                <a:tc>
+                  <a:txBody>
+                    <a:bodyPr/>
+                    <a:lstStyle/>
+                    <a:p>
+                      <a:endParaRPr lang="pt-BR"/>
+                    </a:p>
+                  </a:txBody>
+                  <a:tcPr/>
+                </a:tc>
+                <a:tc>
+                  <a:txBody>
+                    <a:bodyPr/>
+                    <a:lstStyle/>
+                    <a:p>
+                      <a:endParaRPr lang="pt-BR"/>
+                    </a:p>
+                  </a:txBody>
+                  <a:tcPr/>
+                </a:tc>
+                <a:tc>
+                  <a:txBody>
+                    <a:bodyPr/>
+                    <a:lstStyle/>
+                    <a:p>
+                      <a:endParaRPr lang="pt-BR"/>
+                    </a:p>
+                  </a:txBody>
+                  <a:tcPr/>
+                </a:tc>
+                <a:tc>
+                  <a:txBody>
+                    <a:bodyPr/>
+                    <a:lstStyle/>
+                    <a:p>
+                      <a:endParaRPr lang="pt-BR"/>
+                    </a:p>
+                  </a:txBody>
+                  <a:tcPr/>
+                </a:tc>
+                <a:tc>
+                  <a:txBody>
+                    <a:bodyPr/>
+                    <a:lstStyle/>
+                    <a:p>
+                      <a:endParaRPr lang="pt-BR" dirty="0"/>
+                    </a:p>
+                  </a:txBody>
+                  <a:tcPr/>
+                </a:tc>
+              </a:tr>
+            </a:tbl>
+          </a:graphicData>
+        </a:graphic>
+      </p:graphicFrame>
+    </p:spTree>
+    <p:extLst>
+      <p:ext uri="{BB962C8B-B14F-4D97-AF65-F5344CB8AC3E}">
+        <p14:creationId xmlns:p14="http://schemas.microsoft.com/office/powerpoint/2010/main" val="1012447652"/>
+      </p:ext>
+    </p:extLst>
+  </p:cSld>
+  <p:clrMapOvr>
+    <a:masterClrMapping/>
+  </p:clrMapOvr>
+</p:sld>
+</file>
+
+<file path=ppt/slides/slide15.xml><?xml version="1.0" encoding="utf-8"?>
 <p:sld xmlns:a="http://schemas.openxmlformats.org/drawingml/2006/main" xmlns:r="http://schemas.openxmlformats.org/officeDocument/2006/relationships" xmlns:p="http://schemas.openxmlformats.org/presentationml/2006/main">
   <p:cSld>
     <p:spTree>

--- a/trabalhos/t4/slides.pptx
+++ b/trabalhos/t4/slides.pptx
@@ -6,20 +6,21 @@
   </p:sldMasterIdLst>
   <p:sldIdLst>
     <p:sldId id="256" r:id="rId2"/>
-    <p:sldId id="257" r:id="rId3"/>
-    <p:sldId id="258" r:id="rId4"/>
-    <p:sldId id="259" r:id="rId5"/>
-    <p:sldId id="260" r:id="rId6"/>
-    <p:sldId id="261" r:id="rId7"/>
-    <p:sldId id="262" r:id="rId8"/>
-    <p:sldId id="263" r:id="rId9"/>
-    <p:sldId id="264" r:id="rId10"/>
-    <p:sldId id="265" r:id="rId11"/>
-    <p:sldId id="266" r:id="rId12"/>
-    <p:sldId id="268" r:id="rId13"/>
-    <p:sldId id="269" r:id="rId14"/>
-    <p:sldId id="270" r:id="rId15"/>
-    <p:sldId id="267" r:id="rId16"/>
+    <p:sldId id="271" r:id="rId3"/>
+    <p:sldId id="257" r:id="rId4"/>
+    <p:sldId id="258" r:id="rId5"/>
+    <p:sldId id="259" r:id="rId6"/>
+    <p:sldId id="260" r:id="rId7"/>
+    <p:sldId id="261" r:id="rId8"/>
+    <p:sldId id="262" r:id="rId9"/>
+    <p:sldId id="263" r:id="rId10"/>
+    <p:sldId id="264" r:id="rId11"/>
+    <p:sldId id="265" r:id="rId12"/>
+    <p:sldId id="266" r:id="rId13"/>
+    <p:sldId id="268" r:id="rId14"/>
+    <p:sldId id="269" r:id="rId15"/>
+    <p:sldId id="270" r:id="rId16"/>
+    <p:sldId id="267" r:id="rId17"/>
   </p:sldIdLst>
   <p:sldSz cx="9144000" cy="6858000" type="screen4x3"/>
   <p:notesSz cx="6858000" cy="9144000"/>
@@ -309,7 +310,7 @@
           <a:p>
             <a:fld id="{3F1DC6FB-363E-42A3-9890-0C92E58D2E39}" type="datetimeFigureOut">
               <a:rPr lang="pt-BR" smtClean="0"/>
-              <a:t>21/04/2019</a:t>
+              <a:t>22/04/2019</a:t>
             </a:fld>
             <a:endParaRPr lang="pt-BR"/>
           </a:p>
@@ -509,7 +510,7 @@
           <a:p>
             <a:fld id="{3F1DC6FB-363E-42A3-9890-0C92E58D2E39}" type="datetimeFigureOut">
               <a:rPr lang="pt-BR" smtClean="0"/>
-              <a:t>21/04/2019</a:t>
+              <a:t>22/04/2019</a:t>
             </a:fld>
             <a:endParaRPr lang="pt-BR"/>
           </a:p>
@@ -684,7 +685,7 @@
           <a:p>
             <a:fld id="{3F1DC6FB-363E-42A3-9890-0C92E58D2E39}" type="datetimeFigureOut">
               <a:rPr lang="pt-BR" smtClean="0"/>
-              <a:t>21/04/2019</a:t>
+              <a:t>22/04/2019</a:t>
             </a:fld>
             <a:endParaRPr lang="pt-BR"/>
           </a:p>
@@ -849,7 +850,7 @@
           <a:p>
             <a:fld id="{3F1DC6FB-363E-42A3-9890-0C92E58D2E39}" type="datetimeFigureOut">
               <a:rPr lang="pt-BR" smtClean="0"/>
-              <a:t>21/04/2019</a:t>
+              <a:t>22/04/2019</a:t>
             </a:fld>
             <a:endParaRPr lang="pt-BR"/>
           </a:p>
@@ -1097,7 +1098,7 @@
           <a:p>
             <a:fld id="{3F1DC6FB-363E-42A3-9890-0C92E58D2E39}" type="datetimeFigureOut">
               <a:rPr lang="pt-BR" smtClean="0"/>
-              <a:t>21/04/2019</a:t>
+              <a:t>22/04/2019</a:t>
             </a:fld>
             <a:endParaRPr lang="pt-BR"/>
           </a:p>
@@ -1415,7 +1416,7 @@
           <a:p>
             <a:fld id="{3F1DC6FB-363E-42A3-9890-0C92E58D2E39}" type="datetimeFigureOut">
               <a:rPr lang="pt-BR" smtClean="0"/>
-              <a:t>21/04/2019</a:t>
+              <a:t>22/04/2019</a:t>
             </a:fld>
             <a:endParaRPr lang="pt-BR"/>
           </a:p>
@@ -1881,7 +1882,7 @@
           <a:p>
             <a:fld id="{3F1DC6FB-363E-42A3-9890-0C92E58D2E39}" type="datetimeFigureOut">
               <a:rPr lang="pt-BR" smtClean="0"/>
-              <a:t>21/04/2019</a:t>
+              <a:t>22/04/2019</a:t>
             </a:fld>
             <a:endParaRPr lang="pt-BR"/>
           </a:p>
@@ -2029,7 +2030,7 @@
           <a:p>
             <a:fld id="{3F1DC6FB-363E-42A3-9890-0C92E58D2E39}" type="datetimeFigureOut">
               <a:rPr lang="pt-BR" smtClean="0"/>
-              <a:t>21/04/2019</a:t>
+              <a:t>22/04/2019</a:t>
             </a:fld>
             <a:endParaRPr lang="pt-BR"/>
           </a:p>
@@ -2119,7 +2120,7 @@
           <a:p>
             <a:fld id="{3F1DC6FB-363E-42A3-9890-0C92E58D2E39}" type="datetimeFigureOut">
               <a:rPr lang="pt-BR" smtClean="0"/>
-              <a:t>21/04/2019</a:t>
+              <a:t>22/04/2019</a:t>
             </a:fld>
             <a:endParaRPr lang="pt-BR"/>
           </a:p>
@@ -2393,7 +2394,7 @@
           <a:p>
             <a:fld id="{3F1DC6FB-363E-42A3-9890-0C92E58D2E39}" type="datetimeFigureOut">
               <a:rPr lang="pt-BR" smtClean="0"/>
-              <a:t>21/04/2019</a:t>
+              <a:t>22/04/2019</a:t>
             </a:fld>
             <a:endParaRPr lang="pt-BR"/>
           </a:p>
@@ -2698,7 +2699,7 @@
           <a:p>
             <a:fld id="{3F1DC6FB-363E-42A3-9890-0C92E58D2E39}" type="datetimeFigureOut">
               <a:rPr lang="pt-BR" smtClean="0"/>
-              <a:t>21/04/2019</a:t>
+              <a:t>22/04/2019</a:t>
             </a:fld>
             <a:endParaRPr lang="pt-BR"/>
           </a:p>
@@ -2996,7 +2997,7 @@
           <a:p>
             <a:fld id="{3F1DC6FB-363E-42A3-9890-0C92E58D2E39}" type="datetimeFigureOut">
               <a:rPr lang="pt-BR" smtClean="0"/>
-              <a:t>21/04/2019</a:t>
+              <a:t>22/04/2019</a:t>
             </a:fld>
             <a:endParaRPr lang="pt-BR"/>
           </a:p>
@@ -3506,338 +3507,149 @@
           <a:bodyPr/>
           <a:lstStyle/>
           <a:p>
+            <a:endParaRPr lang="pt-BR"/>
+          </a:p>
+        </p:txBody>
+      </p:sp>
+      <p:sp>
+        <p:nvSpPr>
+          <p:cNvPr id="3" name="Espaço Reservado para Conteúdo 2"/>
+          <p:cNvSpPr>
+            <a:spLocks noGrp="1"/>
+          </p:cNvSpPr>
+          <p:nvPr>
+            <p:ph idx="1"/>
+          </p:nvPr>
+        </p:nvSpPr>
+        <p:spPr/>
+        <p:txBody>
+          <a:bodyPr/>
+          <a:lstStyle/>
+          <a:p>
+            <a:endParaRPr lang="pt-BR" dirty="0" smtClean="0"/>
+          </a:p>
+          <a:p>
             <a:r>
               <a:rPr lang="pt-BR" dirty="0" smtClean="0"/>
-              <a:t>Comparação tempo</a:t>
-            </a:r>
+              <a:t>Tamanho </a:t>
+            </a:r>
+            <a:r>
+              <a:rPr lang="pt-BR" dirty="0"/>
+              <a:t>1024 com 32 frames</a:t>
+            </a:r>
+          </a:p>
+          <a:p>
+            <a:r>
+              <a:rPr lang="pt-BR" dirty="0"/>
+              <a:t>Tempo execução: </a:t>
+            </a:r>
+            <a:r>
+              <a:rPr lang="pt-BR" dirty="0" smtClean="0"/>
+              <a:t>17,18 </a:t>
+            </a:r>
+            <a:r>
+              <a:rPr lang="pt-BR" dirty="0"/>
+              <a:t>seg</a:t>
+            </a:r>
+          </a:p>
+          <a:p>
             <a:endParaRPr lang="pt-BR" dirty="0"/>
           </a:p>
-        </p:txBody>
-      </p:sp>
-      <p:graphicFrame>
-        <p:nvGraphicFramePr>
-          <p:cNvPr id="4" name="Espaço Reservado para Conteúdo 3"/>
-          <p:cNvGraphicFramePr>
-            <a:graphicFrameLocks noGrp="1"/>
-          </p:cNvGraphicFramePr>
-          <p:nvPr>
-            <p:ph idx="1"/>
-            <p:extLst>
-              <p:ext uri="{D42A27DB-BD31-4B8C-83A1-F6EECF244321}">
-                <p14:modId xmlns:p14="http://schemas.microsoft.com/office/powerpoint/2010/main" val="867508474"/>
-              </p:ext>
-            </p:extLst>
-          </p:nvPr>
-        </p:nvGraphicFramePr>
-        <p:xfrm>
-          <a:off x="395536" y="2636912"/>
-          <a:ext cx="8229600" cy="1483360"/>
-        </p:xfrm>
-        <a:graphic>
-          <a:graphicData uri="http://schemas.openxmlformats.org/drawingml/2006/table">
-            <a:tbl>
-              <a:tblPr firstRow="1" bandRow="1">
-                <a:tableStyleId>{5C22544A-7EE6-4342-B048-85BDC9FD1C3A}</a:tableStyleId>
-              </a:tblPr>
-              <a:tblGrid>
-                <a:gridCol w="1645920"/>
-                <a:gridCol w="1645920"/>
-                <a:gridCol w="1645920"/>
-                <a:gridCol w="1645920"/>
-                <a:gridCol w="1645920"/>
-              </a:tblGrid>
-              <a:tr h="370840">
-                <a:tc>
-                  <a:txBody>
-                    <a:bodyPr/>
-                    <a:lstStyle/>
-                    <a:p>
-                      <a:endParaRPr lang="pt-BR" dirty="0"/>
-                    </a:p>
-                  </a:txBody>
-                  <a:tcPr/>
-                </a:tc>
-                <a:tc>
-                  <a:txBody>
-                    <a:bodyPr/>
-                    <a:lstStyle/>
-                    <a:p>
-                      <a:r>
-                        <a:rPr lang="pt-BR" dirty="0" smtClean="0"/>
-                        <a:t>512/32</a:t>
-                      </a:r>
-                      <a:endParaRPr lang="pt-BR" dirty="0"/>
-                    </a:p>
-                  </a:txBody>
-                  <a:tcPr/>
-                </a:tc>
-                <a:tc>
-                  <a:txBody>
-                    <a:bodyPr/>
-                    <a:lstStyle/>
-                    <a:p>
-                      <a:r>
-                        <a:rPr lang="pt-BR" dirty="0" smtClean="0"/>
-                        <a:t>512/64</a:t>
-                      </a:r>
-                      <a:endParaRPr lang="pt-BR" dirty="0"/>
-                    </a:p>
-                  </a:txBody>
-                  <a:tcPr/>
-                </a:tc>
-                <a:tc>
-                  <a:txBody>
-                    <a:bodyPr/>
-                    <a:lstStyle/>
-                    <a:p>
-                      <a:r>
-                        <a:rPr lang="pt-BR" dirty="0" smtClean="0"/>
-                        <a:t>1024/32</a:t>
-                      </a:r>
-                      <a:endParaRPr lang="pt-BR" dirty="0"/>
-                    </a:p>
-                  </a:txBody>
-                  <a:tcPr/>
-                </a:tc>
-                <a:tc>
-                  <a:txBody>
-                    <a:bodyPr/>
-                    <a:lstStyle/>
-                    <a:p>
-                      <a:r>
-                        <a:rPr lang="pt-BR" dirty="0" smtClean="0"/>
-                        <a:t>1024/64</a:t>
-                      </a:r>
-                      <a:endParaRPr lang="pt-BR" dirty="0"/>
-                    </a:p>
-                  </a:txBody>
-                  <a:tcPr/>
-                </a:tc>
-              </a:tr>
-              <a:tr h="370840">
-                <a:tc>
-                  <a:txBody>
-                    <a:bodyPr/>
-                    <a:lstStyle/>
-                    <a:p>
-                      <a:r>
-                        <a:rPr lang="pt-BR" dirty="0" smtClean="0"/>
-                        <a:t>Base</a:t>
-                      </a:r>
-                      <a:endParaRPr lang="pt-BR" dirty="0"/>
-                    </a:p>
-                  </a:txBody>
-                  <a:tcPr/>
-                </a:tc>
-                <a:tc>
-                  <a:txBody>
-                    <a:bodyPr/>
-                    <a:lstStyle/>
-                    <a:p>
-                      <a:r>
-                        <a:rPr lang="pt-BR" dirty="0" smtClean="0"/>
-                        <a:t>12,45s</a:t>
-                      </a:r>
-                      <a:endParaRPr lang="pt-BR" dirty="0"/>
-                    </a:p>
-                  </a:txBody>
-                  <a:tcPr/>
-                </a:tc>
-                <a:tc>
-                  <a:txBody>
-                    <a:bodyPr/>
-                    <a:lstStyle/>
-                    <a:p>
-                      <a:r>
-                        <a:rPr lang="pt-BR" dirty="0" smtClean="0"/>
-                        <a:t>25,45s</a:t>
-                      </a:r>
-                      <a:endParaRPr lang="pt-BR" dirty="0"/>
-                    </a:p>
-                  </a:txBody>
-                  <a:tcPr/>
-                </a:tc>
-                <a:tc>
-                  <a:txBody>
-                    <a:bodyPr/>
-                    <a:lstStyle/>
-                    <a:p>
-                      <a:r>
-                        <a:rPr lang="pt-BR" dirty="0" smtClean="0"/>
-                        <a:t>49,43s</a:t>
-                      </a:r>
-                      <a:endParaRPr lang="pt-BR" dirty="0"/>
-                    </a:p>
-                  </a:txBody>
-                  <a:tcPr/>
-                </a:tc>
-                <a:tc>
-                  <a:txBody>
-                    <a:bodyPr/>
-                    <a:lstStyle/>
-                    <a:p>
-                      <a:r>
-                        <a:rPr lang="pt-BR" dirty="0" smtClean="0"/>
-                        <a:t>95,85s</a:t>
-                      </a:r>
-                      <a:endParaRPr lang="pt-BR" dirty="0"/>
-                    </a:p>
-                  </a:txBody>
-                  <a:tcPr/>
-                </a:tc>
-              </a:tr>
-              <a:tr h="370840">
-                <a:tc>
-                  <a:txBody>
-                    <a:bodyPr/>
-                    <a:lstStyle/>
-                    <a:p>
-                      <a:r>
-                        <a:rPr lang="pt-BR" dirty="0" smtClean="0"/>
-                        <a:t>Static</a:t>
-                      </a:r>
-                      <a:endParaRPr lang="pt-BR" dirty="0"/>
-                    </a:p>
-                  </a:txBody>
-                  <a:tcPr/>
-                </a:tc>
-                <a:tc>
-                  <a:txBody>
-                    <a:bodyPr/>
-                    <a:lstStyle/>
-                    <a:p>
-                      <a:r>
-                        <a:rPr lang="pt-BR" dirty="0" smtClean="0"/>
-                        <a:t>5,33s</a:t>
-                      </a:r>
-                      <a:endParaRPr lang="pt-BR" dirty="0"/>
-                    </a:p>
-                  </a:txBody>
-                  <a:tcPr/>
-                </a:tc>
-                <a:tc>
-                  <a:txBody>
-                    <a:bodyPr/>
-                    <a:lstStyle/>
-                    <a:p>
-                      <a:r>
-                        <a:rPr lang="pt-BR" dirty="0" smtClean="0"/>
-                        <a:t>10,02s</a:t>
-                      </a:r>
-                      <a:endParaRPr lang="pt-BR" dirty="0"/>
-                    </a:p>
-                  </a:txBody>
-                  <a:tcPr/>
-                </a:tc>
-                <a:tc>
-                  <a:txBody>
-                    <a:bodyPr/>
-                    <a:lstStyle/>
-                    <a:p>
-                      <a:r>
-                        <a:rPr lang="pt-BR" dirty="0" smtClean="0"/>
-                        <a:t>17,18s</a:t>
-                      </a:r>
-                      <a:endParaRPr lang="pt-BR" dirty="0"/>
-                    </a:p>
-                  </a:txBody>
-                  <a:tcPr/>
-                </a:tc>
-                <a:tc>
-                  <a:txBody>
-                    <a:bodyPr/>
-                    <a:lstStyle/>
-                    <a:p>
-                      <a:r>
-                        <a:rPr lang="pt-BR" dirty="0" smtClean="0"/>
-                        <a:t>31,03s</a:t>
-                      </a:r>
-                      <a:endParaRPr lang="pt-BR" dirty="0"/>
-                    </a:p>
-                  </a:txBody>
-                  <a:tcPr/>
-                </a:tc>
-              </a:tr>
-              <a:tr h="370840">
-                <a:tc>
-                  <a:txBody>
-                    <a:bodyPr/>
-                    <a:lstStyle/>
-                    <a:p>
-                      <a:r>
-                        <a:rPr lang="pt-BR" dirty="0" smtClean="0"/>
-                        <a:t>Dynamic(4)</a:t>
-                      </a:r>
-                      <a:endParaRPr lang="pt-BR" dirty="0"/>
-                    </a:p>
-                  </a:txBody>
-                  <a:tcPr/>
-                </a:tc>
-                <a:tc>
-                  <a:txBody>
-                    <a:bodyPr/>
-                    <a:lstStyle/>
-                    <a:p>
-                      <a:r>
-                        <a:rPr lang="pt-BR" dirty="0" smtClean="0"/>
-                        <a:t>4,05s</a:t>
-                      </a:r>
-                      <a:endParaRPr lang="pt-BR" dirty="0"/>
-                    </a:p>
-                  </a:txBody>
-                  <a:tcPr/>
-                </a:tc>
-                <a:tc>
-                  <a:txBody>
-                    <a:bodyPr/>
-                    <a:lstStyle/>
-                    <a:p>
-                      <a:r>
-                        <a:rPr lang="pt-BR" dirty="0" smtClean="0"/>
-                        <a:t>7,27s</a:t>
-                      </a:r>
-                      <a:endParaRPr lang="pt-BR" dirty="0"/>
-                    </a:p>
-                  </a:txBody>
-                  <a:tcPr/>
-                </a:tc>
-                <a:tc>
-                  <a:txBody>
-                    <a:bodyPr/>
-                    <a:lstStyle/>
-                    <a:p>
-                      <a:r>
-                        <a:rPr lang="pt-BR" dirty="0" smtClean="0"/>
-                        <a:t>16,69s</a:t>
-                      </a:r>
-                      <a:endParaRPr lang="pt-BR" dirty="0"/>
-                    </a:p>
-                  </a:txBody>
-                  <a:tcPr/>
-                </a:tc>
-                <a:tc>
-                  <a:txBody>
-                    <a:bodyPr/>
-                    <a:lstStyle/>
-                    <a:p>
-                      <a:r>
-                        <a:rPr lang="pt-BR" dirty="0" smtClean="0"/>
-                        <a:t>30,01s</a:t>
-                      </a:r>
-                      <a:endParaRPr lang="pt-BR" dirty="0"/>
-                    </a:p>
-                  </a:txBody>
-                  <a:tcPr/>
-                </a:tc>
-              </a:tr>
-            </a:tbl>
-          </a:graphicData>
-        </a:graphic>
-      </p:graphicFrame>
+          <a:p>
+            <a:endParaRPr lang="pt-BR" dirty="0"/>
+          </a:p>
+          <a:p>
+            <a:endParaRPr lang="pt-BR" dirty="0"/>
+          </a:p>
+          <a:p>
+            <a:r>
+              <a:rPr lang="pt-BR" dirty="0"/>
+              <a:t>Tamanho 1024 com 64 frames</a:t>
+            </a:r>
+          </a:p>
+          <a:p>
+            <a:r>
+              <a:rPr lang="pt-BR" dirty="0"/>
+              <a:t>Tempo execução: </a:t>
+            </a:r>
+            <a:r>
+              <a:rPr lang="pt-BR" dirty="0" smtClean="0"/>
+              <a:t>31,03 </a:t>
+            </a:r>
+            <a:r>
+              <a:rPr lang="pt-BR" dirty="0"/>
+              <a:t>seg</a:t>
+            </a:r>
+          </a:p>
+          <a:p>
+            <a:endParaRPr lang="pt-BR" dirty="0"/>
+          </a:p>
+        </p:txBody>
+      </p:sp>
+      <p:pic>
+        <p:nvPicPr>
+          <p:cNvPr id="4" name="Imagem 3"/>
+          <p:cNvPicPr>
+            <a:picLocks noChangeAspect="1"/>
+          </p:cNvPicPr>
+          <p:nvPr/>
+        </p:nvPicPr>
+        <p:blipFill>
+          <a:blip r:embed="rId2">
+            <a:extLst>
+              <a:ext uri="{28A0092B-C50C-407E-A947-70E740481C1C}">
+                <a14:useLocalDpi xmlns:a14="http://schemas.microsoft.com/office/drawing/2010/main" val="0"/>
+              </a:ext>
+            </a:extLst>
+          </a:blip>
+          <a:stretch>
+            <a:fillRect/>
+          </a:stretch>
+        </p:blipFill>
+        <p:spPr>
+          <a:xfrm>
+            <a:off x="5148064" y="2204864"/>
+            <a:ext cx="3352800" cy="619125"/>
+          </a:xfrm>
+          <a:prstGeom prst="rect">
+            <a:avLst/>
+          </a:prstGeom>
+        </p:spPr>
+      </p:pic>
+      <p:pic>
+        <p:nvPicPr>
+          <p:cNvPr id="5" name="Imagem 4"/>
+          <p:cNvPicPr>
+            <a:picLocks noChangeAspect="1"/>
+          </p:cNvPicPr>
+          <p:nvPr/>
+        </p:nvPicPr>
+        <p:blipFill>
+          <a:blip r:embed="rId3">
+            <a:extLst>
+              <a:ext uri="{28A0092B-C50C-407E-A947-70E740481C1C}">
+                <a14:useLocalDpi xmlns:a14="http://schemas.microsoft.com/office/drawing/2010/main" val="0"/>
+              </a:ext>
+            </a:extLst>
+          </a:blip>
+          <a:stretch>
+            <a:fillRect/>
+          </a:stretch>
+        </p:blipFill>
+        <p:spPr>
+          <a:xfrm>
+            <a:off x="5170161" y="4365104"/>
+            <a:ext cx="3352800" cy="657225"/>
+          </a:xfrm>
+          <a:prstGeom prst="rect">
+            <a:avLst/>
+          </a:prstGeom>
+        </p:spPr>
+      </p:pic>
     </p:spTree>
     <p:extLst>
       <p:ext uri="{BB962C8B-B14F-4D97-AF65-F5344CB8AC3E}">
-        <p14:creationId xmlns:p14="http://schemas.microsoft.com/office/powerpoint/2010/main" val="2609754283"/>
+        <p14:creationId xmlns:p14="http://schemas.microsoft.com/office/powerpoint/2010/main" val="1280442028"/>
       </p:ext>
     </p:extLst>
   </p:cSld>
@@ -3881,6 +3693,379 @@
           <a:p>
             <a:r>
               <a:rPr lang="pt-BR" dirty="0" smtClean="0"/>
+              <a:t>Comparação tempo</a:t>
+            </a:r>
+            <a:endParaRPr lang="pt-BR" dirty="0"/>
+          </a:p>
+        </p:txBody>
+      </p:sp>
+      <p:graphicFrame>
+        <p:nvGraphicFramePr>
+          <p:cNvPr id="4" name="Espaço Reservado para Conteúdo 3"/>
+          <p:cNvGraphicFramePr>
+            <a:graphicFrameLocks noGrp="1"/>
+          </p:cNvGraphicFramePr>
+          <p:nvPr>
+            <p:ph idx="1"/>
+            <p:extLst>
+              <p:ext uri="{D42A27DB-BD31-4B8C-83A1-F6EECF244321}">
+                <p14:modId xmlns:p14="http://schemas.microsoft.com/office/powerpoint/2010/main" val="867508474"/>
+              </p:ext>
+            </p:extLst>
+          </p:nvPr>
+        </p:nvGraphicFramePr>
+        <p:xfrm>
+          <a:off x="395536" y="2636912"/>
+          <a:ext cx="8229600" cy="1483360"/>
+        </p:xfrm>
+        <a:graphic>
+          <a:graphicData uri="http://schemas.openxmlformats.org/drawingml/2006/table">
+            <a:tbl>
+              <a:tblPr firstRow="1" bandRow="1">
+                <a:tableStyleId>{5C22544A-7EE6-4342-B048-85BDC9FD1C3A}</a:tableStyleId>
+              </a:tblPr>
+              <a:tblGrid>
+                <a:gridCol w="1645920"/>
+                <a:gridCol w="1645920"/>
+                <a:gridCol w="1645920"/>
+                <a:gridCol w="1645920"/>
+                <a:gridCol w="1645920"/>
+              </a:tblGrid>
+              <a:tr h="370840">
+                <a:tc>
+                  <a:txBody>
+                    <a:bodyPr/>
+                    <a:lstStyle/>
+                    <a:p>
+                      <a:endParaRPr lang="pt-BR" dirty="0"/>
+                    </a:p>
+                  </a:txBody>
+                  <a:tcPr/>
+                </a:tc>
+                <a:tc>
+                  <a:txBody>
+                    <a:bodyPr/>
+                    <a:lstStyle/>
+                    <a:p>
+                      <a:r>
+                        <a:rPr lang="pt-BR" dirty="0" smtClean="0"/>
+                        <a:t>512/32</a:t>
+                      </a:r>
+                      <a:endParaRPr lang="pt-BR" dirty="0"/>
+                    </a:p>
+                  </a:txBody>
+                  <a:tcPr/>
+                </a:tc>
+                <a:tc>
+                  <a:txBody>
+                    <a:bodyPr/>
+                    <a:lstStyle/>
+                    <a:p>
+                      <a:r>
+                        <a:rPr lang="pt-BR" dirty="0" smtClean="0"/>
+                        <a:t>512/64</a:t>
+                      </a:r>
+                      <a:endParaRPr lang="pt-BR" dirty="0"/>
+                    </a:p>
+                  </a:txBody>
+                  <a:tcPr/>
+                </a:tc>
+                <a:tc>
+                  <a:txBody>
+                    <a:bodyPr/>
+                    <a:lstStyle/>
+                    <a:p>
+                      <a:r>
+                        <a:rPr lang="pt-BR" dirty="0" smtClean="0"/>
+                        <a:t>1024/32</a:t>
+                      </a:r>
+                      <a:endParaRPr lang="pt-BR" dirty="0"/>
+                    </a:p>
+                  </a:txBody>
+                  <a:tcPr/>
+                </a:tc>
+                <a:tc>
+                  <a:txBody>
+                    <a:bodyPr/>
+                    <a:lstStyle/>
+                    <a:p>
+                      <a:r>
+                        <a:rPr lang="pt-BR" dirty="0" smtClean="0"/>
+                        <a:t>1024/64</a:t>
+                      </a:r>
+                      <a:endParaRPr lang="pt-BR" dirty="0"/>
+                    </a:p>
+                  </a:txBody>
+                  <a:tcPr/>
+                </a:tc>
+              </a:tr>
+              <a:tr h="370840">
+                <a:tc>
+                  <a:txBody>
+                    <a:bodyPr/>
+                    <a:lstStyle/>
+                    <a:p>
+                      <a:r>
+                        <a:rPr lang="pt-BR" dirty="0" smtClean="0"/>
+                        <a:t>Base</a:t>
+                      </a:r>
+                      <a:endParaRPr lang="pt-BR" dirty="0"/>
+                    </a:p>
+                  </a:txBody>
+                  <a:tcPr/>
+                </a:tc>
+                <a:tc>
+                  <a:txBody>
+                    <a:bodyPr/>
+                    <a:lstStyle/>
+                    <a:p>
+                      <a:r>
+                        <a:rPr lang="pt-BR" dirty="0" smtClean="0"/>
+                        <a:t>12,45s</a:t>
+                      </a:r>
+                      <a:endParaRPr lang="pt-BR" dirty="0"/>
+                    </a:p>
+                  </a:txBody>
+                  <a:tcPr/>
+                </a:tc>
+                <a:tc>
+                  <a:txBody>
+                    <a:bodyPr/>
+                    <a:lstStyle/>
+                    <a:p>
+                      <a:r>
+                        <a:rPr lang="pt-BR" dirty="0" smtClean="0"/>
+                        <a:t>25,45s</a:t>
+                      </a:r>
+                      <a:endParaRPr lang="pt-BR" dirty="0"/>
+                    </a:p>
+                  </a:txBody>
+                  <a:tcPr/>
+                </a:tc>
+                <a:tc>
+                  <a:txBody>
+                    <a:bodyPr/>
+                    <a:lstStyle/>
+                    <a:p>
+                      <a:r>
+                        <a:rPr lang="pt-BR" dirty="0" smtClean="0"/>
+                        <a:t>49,43s</a:t>
+                      </a:r>
+                      <a:endParaRPr lang="pt-BR" dirty="0"/>
+                    </a:p>
+                  </a:txBody>
+                  <a:tcPr/>
+                </a:tc>
+                <a:tc>
+                  <a:txBody>
+                    <a:bodyPr/>
+                    <a:lstStyle/>
+                    <a:p>
+                      <a:r>
+                        <a:rPr lang="pt-BR" dirty="0" smtClean="0"/>
+                        <a:t>95,85s</a:t>
+                      </a:r>
+                      <a:endParaRPr lang="pt-BR" dirty="0"/>
+                    </a:p>
+                  </a:txBody>
+                  <a:tcPr/>
+                </a:tc>
+              </a:tr>
+              <a:tr h="370840">
+                <a:tc>
+                  <a:txBody>
+                    <a:bodyPr/>
+                    <a:lstStyle/>
+                    <a:p>
+                      <a:r>
+                        <a:rPr lang="pt-BR" dirty="0" smtClean="0"/>
+                        <a:t>Static</a:t>
+                      </a:r>
+                      <a:endParaRPr lang="pt-BR" dirty="0"/>
+                    </a:p>
+                  </a:txBody>
+                  <a:tcPr/>
+                </a:tc>
+                <a:tc>
+                  <a:txBody>
+                    <a:bodyPr/>
+                    <a:lstStyle/>
+                    <a:p>
+                      <a:r>
+                        <a:rPr lang="pt-BR" dirty="0" smtClean="0"/>
+                        <a:t>5,33s</a:t>
+                      </a:r>
+                      <a:endParaRPr lang="pt-BR" dirty="0"/>
+                    </a:p>
+                  </a:txBody>
+                  <a:tcPr/>
+                </a:tc>
+                <a:tc>
+                  <a:txBody>
+                    <a:bodyPr/>
+                    <a:lstStyle/>
+                    <a:p>
+                      <a:r>
+                        <a:rPr lang="pt-BR" dirty="0" smtClean="0"/>
+                        <a:t>10,02s</a:t>
+                      </a:r>
+                      <a:endParaRPr lang="pt-BR" dirty="0"/>
+                    </a:p>
+                  </a:txBody>
+                  <a:tcPr/>
+                </a:tc>
+                <a:tc>
+                  <a:txBody>
+                    <a:bodyPr/>
+                    <a:lstStyle/>
+                    <a:p>
+                      <a:r>
+                        <a:rPr lang="pt-BR" dirty="0" smtClean="0"/>
+                        <a:t>17,18s</a:t>
+                      </a:r>
+                      <a:endParaRPr lang="pt-BR" dirty="0"/>
+                    </a:p>
+                  </a:txBody>
+                  <a:tcPr/>
+                </a:tc>
+                <a:tc>
+                  <a:txBody>
+                    <a:bodyPr/>
+                    <a:lstStyle/>
+                    <a:p>
+                      <a:r>
+                        <a:rPr lang="pt-BR" dirty="0" smtClean="0"/>
+                        <a:t>31,03s</a:t>
+                      </a:r>
+                      <a:endParaRPr lang="pt-BR" dirty="0"/>
+                    </a:p>
+                  </a:txBody>
+                  <a:tcPr/>
+                </a:tc>
+              </a:tr>
+              <a:tr h="370840">
+                <a:tc>
+                  <a:txBody>
+                    <a:bodyPr/>
+                    <a:lstStyle/>
+                    <a:p>
+                      <a:r>
+                        <a:rPr lang="pt-BR" dirty="0" smtClean="0"/>
+                        <a:t>Dynamic(4)</a:t>
+                      </a:r>
+                      <a:endParaRPr lang="pt-BR" dirty="0"/>
+                    </a:p>
+                  </a:txBody>
+                  <a:tcPr/>
+                </a:tc>
+                <a:tc>
+                  <a:txBody>
+                    <a:bodyPr/>
+                    <a:lstStyle/>
+                    <a:p>
+                      <a:r>
+                        <a:rPr lang="pt-BR" dirty="0" smtClean="0"/>
+                        <a:t>4,05s</a:t>
+                      </a:r>
+                      <a:endParaRPr lang="pt-BR" dirty="0"/>
+                    </a:p>
+                  </a:txBody>
+                  <a:tcPr/>
+                </a:tc>
+                <a:tc>
+                  <a:txBody>
+                    <a:bodyPr/>
+                    <a:lstStyle/>
+                    <a:p>
+                      <a:r>
+                        <a:rPr lang="pt-BR" dirty="0" smtClean="0"/>
+                        <a:t>7,27s</a:t>
+                      </a:r>
+                      <a:endParaRPr lang="pt-BR" dirty="0"/>
+                    </a:p>
+                  </a:txBody>
+                  <a:tcPr/>
+                </a:tc>
+                <a:tc>
+                  <a:txBody>
+                    <a:bodyPr/>
+                    <a:lstStyle/>
+                    <a:p>
+                      <a:r>
+                        <a:rPr lang="pt-BR" dirty="0" smtClean="0"/>
+                        <a:t>16,69s</a:t>
+                      </a:r>
+                      <a:endParaRPr lang="pt-BR" dirty="0"/>
+                    </a:p>
+                  </a:txBody>
+                  <a:tcPr/>
+                </a:tc>
+                <a:tc>
+                  <a:txBody>
+                    <a:bodyPr/>
+                    <a:lstStyle/>
+                    <a:p>
+                      <a:r>
+                        <a:rPr lang="pt-BR" dirty="0" smtClean="0"/>
+                        <a:t>30,01s</a:t>
+                      </a:r>
+                      <a:endParaRPr lang="pt-BR" dirty="0"/>
+                    </a:p>
+                  </a:txBody>
+                  <a:tcPr/>
+                </a:tc>
+              </a:tr>
+            </a:tbl>
+          </a:graphicData>
+        </a:graphic>
+      </p:graphicFrame>
+    </p:spTree>
+    <p:extLst>
+      <p:ext uri="{BB962C8B-B14F-4D97-AF65-F5344CB8AC3E}">
+        <p14:creationId xmlns:p14="http://schemas.microsoft.com/office/powerpoint/2010/main" val="2609754283"/>
+      </p:ext>
+    </p:extLst>
+  </p:cSld>
+  <p:clrMapOvr>
+    <a:masterClrMapping/>
+  </p:clrMapOvr>
+</p:sld>
+</file>
+
+<file path=ppt/slides/slide12.xml><?xml version="1.0" encoding="utf-8"?>
+<p:sld xmlns:a="http://schemas.openxmlformats.org/drawingml/2006/main" xmlns:r="http://schemas.openxmlformats.org/officeDocument/2006/relationships" xmlns:p="http://schemas.openxmlformats.org/presentationml/2006/main">
+  <p:cSld>
+    <p:spTree>
+      <p:nvGrpSpPr>
+        <p:cNvPr id="1" name=""/>
+        <p:cNvGrpSpPr/>
+        <p:nvPr/>
+      </p:nvGrpSpPr>
+      <p:grpSpPr>
+        <a:xfrm>
+          <a:off x="0" y="0"/>
+          <a:ext cx="0" cy="0"/>
+          <a:chOff x="0" y="0"/>
+          <a:chExt cx="0" cy="0"/>
+        </a:xfrm>
+      </p:grpSpPr>
+      <p:sp>
+        <p:nvSpPr>
+          <p:cNvPr id="2" name="Título 1"/>
+          <p:cNvSpPr>
+            <a:spLocks noGrp="1"/>
+          </p:cNvSpPr>
+          <p:nvPr>
+            <p:ph type="title"/>
+          </p:nvPr>
+        </p:nvSpPr>
+        <p:spPr/>
+        <p:txBody>
+          <a:bodyPr/>
+          <a:lstStyle/>
+          <a:p>
+            <a:r>
+              <a:rPr lang="pt-BR" dirty="0" smtClean="0"/>
               <a:t>SpeedUp Static</a:t>
             </a:r>
             <a:endParaRPr lang="pt-BR" dirty="0"/>
@@ -4132,7 +4317,7 @@
 </p:sld>
 </file>
 
-<file path=ppt/slides/slide12.xml><?xml version="1.0" encoding="utf-8"?>
+<file path=ppt/slides/slide13.xml><?xml version="1.0" encoding="utf-8"?>
 <p:sld xmlns:a="http://schemas.openxmlformats.org/drawingml/2006/main" xmlns:r="http://schemas.openxmlformats.org/officeDocument/2006/relationships" xmlns:p="http://schemas.openxmlformats.org/presentationml/2006/main">
   <p:cSld>
     <p:spTree>
@@ -4320,7 +4505,7 @@
 </p:sld>
 </file>
 
-<file path=ppt/slides/slide13.xml><?xml version="1.0" encoding="utf-8"?>
+<file path=ppt/slides/slide14.xml><?xml version="1.0" encoding="utf-8"?>
 <p:sld xmlns:a="http://schemas.openxmlformats.org/drawingml/2006/main" xmlns:r="http://schemas.openxmlformats.org/officeDocument/2006/relationships" xmlns:p="http://schemas.openxmlformats.org/presentationml/2006/main">
   <p:cSld>
     <p:spTree>
@@ -4518,7 +4703,7 @@
 </p:sld>
 </file>
 
-<file path=ppt/slides/slide14.xml><?xml version="1.0" encoding="utf-8"?>
+<file path=ppt/slides/slide15.xml><?xml version="1.0" encoding="utf-8"?>
 <p:sld xmlns:a="http://schemas.openxmlformats.org/drawingml/2006/main" xmlns:r="http://schemas.openxmlformats.org/officeDocument/2006/relationships" xmlns:p="http://schemas.openxmlformats.org/presentationml/2006/main">
   <p:cSld>
     <p:spTree>
@@ -5236,7 +5421,7 @@
 </p:sld>
 </file>
 
-<file path=ppt/slides/slide15.xml><?xml version="1.0" encoding="utf-8"?>
+<file path=ppt/slides/slide16.xml><?xml version="1.0" encoding="utf-8"?>
 <p:sld xmlns:a="http://schemas.openxmlformats.org/drawingml/2006/main" xmlns:r="http://schemas.openxmlformats.org/officeDocument/2006/relationships" xmlns:p="http://schemas.openxmlformats.org/presentationml/2006/main">
   <p:cSld>
     <p:spTree>
@@ -5426,6 +5611,187 @@
           <a:p>
             <a:r>
               <a:rPr lang="pt-BR" dirty="0" smtClean="0"/>
+              <a:t>Oportunidade paralelismo OpenMp</a:t>
+            </a:r>
+            <a:endParaRPr lang="pt-BR" dirty="0"/>
+          </a:p>
+        </p:txBody>
+      </p:sp>
+      <p:sp>
+        <p:nvSpPr>
+          <p:cNvPr id="6" name="CaixaDeTexto 5"/>
+          <p:cNvSpPr txBox="1"/>
+          <p:nvPr/>
+        </p:nvSpPr>
+        <p:spPr>
+          <a:xfrm>
+            <a:off x="683568" y="1700808"/>
+            <a:ext cx="2664296" cy="2554545"/>
+          </a:xfrm>
+          <a:prstGeom prst="rect">
+            <a:avLst/>
+          </a:prstGeom>
+          <a:noFill/>
+        </p:spPr>
+        <p:txBody>
+          <a:bodyPr wrap="square" rtlCol="0">
+            <a:spAutoFit/>
+          </a:bodyPr>
+          <a:lstStyle/>
+          <a:p>
+            <a:r>
+              <a:rPr lang="pt-BR" sz="1600" dirty="0" smtClean="0"/>
+              <a:t>Foi utilizado Schedule Dynamic onde são agrupados e distribuidos as threads, quando um termina, recebe dinamicamente outra, e setando as variaveis como privadas para cada laço de iteração.</a:t>
+            </a:r>
+            <a:endParaRPr lang="pt-BR" sz="1600" dirty="0"/>
+          </a:p>
+          <a:p>
+            <a:endParaRPr lang="pt-BR" sz="1600" dirty="0"/>
+          </a:p>
+        </p:txBody>
+      </p:sp>
+      <p:pic>
+        <p:nvPicPr>
+          <p:cNvPr id="8" name="Espaço Reservado para Conteúdo 7"/>
+          <p:cNvPicPr>
+            <a:picLocks noGrp="1" noChangeAspect="1"/>
+          </p:cNvPicPr>
+          <p:nvPr>
+            <p:ph idx="1"/>
+          </p:nvPr>
+        </p:nvPicPr>
+        <p:blipFill>
+          <a:blip r:embed="rId2">
+            <a:extLst>
+              <a:ext uri="{28A0092B-C50C-407E-A947-70E740481C1C}">
+                <a14:useLocalDpi xmlns:a14="http://schemas.microsoft.com/office/drawing/2010/main" val="0"/>
+              </a:ext>
+            </a:extLst>
+          </a:blip>
+          <a:stretch>
+            <a:fillRect/>
+          </a:stretch>
+        </p:blipFill>
+        <p:spPr>
+          <a:xfrm>
+            <a:off x="3635896" y="1700808"/>
+            <a:ext cx="4029637" cy="1686160"/>
+          </a:xfrm>
+        </p:spPr>
+      </p:pic>
+      <p:pic>
+        <p:nvPicPr>
+          <p:cNvPr id="9" name="Imagem 8"/>
+          <p:cNvPicPr>
+            <a:picLocks noChangeAspect="1"/>
+          </p:cNvPicPr>
+          <p:nvPr/>
+        </p:nvPicPr>
+        <p:blipFill>
+          <a:blip r:embed="rId3">
+            <a:extLst>
+              <a:ext uri="{28A0092B-C50C-407E-A947-70E740481C1C}">
+                <a14:useLocalDpi xmlns:a14="http://schemas.microsoft.com/office/drawing/2010/main" val="0"/>
+              </a:ext>
+            </a:extLst>
+          </a:blip>
+          <a:stretch>
+            <a:fillRect/>
+          </a:stretch>
+        </p:blipFill>
+        <p:spPr>
+          <a:xfrm>
+            <a:off x="3726750" y="4307168"/>
+            <a:ext cx="3705742" cy="1790950"/>
+          </a:xfrm>
+          <a:prstGeom prst="rect">
+            <a:avLst/>
+          </a:prstGeom>
+        </p:spPr>
+      </p:pic>
+      <p:sp>
+        <p:nvSpPr>
+          <p:cNvPr id="10" name="CaixaDeTexto 9"/>
+          <p:cNvSpPr txBox="1"/>
+          <p:nvPr/>
+        </p:nvSpPr>
+        <p:spPr>
+          <a:xfrm>
+            <a:off x="683568" y="4581128"/>
+            <a:ext cx="2520280" cy="1323439"/>
+          </a:xfrm>
+          <a:prstGeom prst="rect">
+            <a:avLst/>
+          </a:prstGeom>
+          <a:noFill/>
+        </p:spPr>
+        <p:txBody>
+          <a:bodyPr wrap="square" rtlCol="0">
+            <a:spAutoFit/>
+          </a:bodyPr>
+          <a:lstStyle/>
+          <a:p>
+            <a:r>
+              <a:rPr lang="pt-BR" sz="1600" dirty="0" smtClean="0"/>
+              <a:t>Schedule Static</a:t>
+            </a:r>
+          </a:p>
+          <a:p>
+            <a:r>
+              <a:rPr lang="pt-BR" sz="1600" dirty="0" smtClean="0"/>
+              <a:t>Onde as iterações são agrupadas em chunks e estaticamente atribuidos as threads.</a:t>
+            </a:r>
+            <a:endParaRPr lang="pt-BR" sz="1600" dirty="0"/>
+          </a:p>
+        </p:txBody>
+      </p:sp>
+    </p:spTree>
+    <p:extLst>
+      <p:ext uri="{BB962C8B-B14F-4D97-AF65-F5344CB8AC3E}">
+        <p14:creationId xmlns:p14="http://schemas.microsoft.com/office/powerpoint/2010/main" val="1803718428"/>
+      </p:ext>
+    </p:extLst>
+  </p:cSld>
+  <p:clrMapOvr>
+    <a:masterClrMapping/>
+  </p:clrMapOvr>
+</p:sld>
+</file>
+
+<file path=ppt/slides/slide3.xml><?xml version="1.0" encoding="utf-8"?>
+<p:sld xmlns:a="http://schemas.openxmlformats.org/drawingml/2006/main" xmlns:r="http://schemas.openxmlformats.org/officeDocument/2006/relationships" xmlns:p="http://schemas.openxmlformats.org/presentationml/2006/main">
+  <p:cSld>
+    <p:spTree>
+      <p:nvGrpSpPr>
+        <p:cNvPr id="1" name=""/>
+        <p:cNvGrpSpPr/>
+        <p:nvPr/>
+      </p:nvGrpSpPr>
+      <p:grpSpPr>
+        <a:xfrm>
+          <a:off x="0" y="0"/>
+          <a:ext cx="0" cy="0"/>
+          <a:chOff x="0" y="0"/>
+          <a:chExt cx="0" cy="0"/>
+        </a:xfrm>
+      </p:grpSpPr>
+      <p:sp>
+        <p:nvSpPr>
+          <p:cNvPr id="2" name="Título 1"/>
+          <p:cNvSpPr>
+            <a:spLocks noGrp="1"/>
+          </p:cNvSpPr>
+          <p:nvPr>
+            <p:ph type="title"/>
+          </p:nvPr>
+        </p:nvSpPr>
+        <p:spPr/>
+        <p:txBody>
+          <a:bodyPr/>
+          <a:lstStyle/>
+          <a:p>
+            <a:r>
+              <a:rPr lang="pt-BR" dirty="0" smtClean="0"/>
               <a:t>Fractal modelo base</a:t>
             </a:r>
             <a:endParaRPr lang="pt-BR" dirty="0"/>
@@ -5563,7 +5929,7 @@
 </p:sld>
 </file>
 
-<file path=ppt/slides/slide3.xml><?xml version="1.0" encoding="utf-8"?>
+<file path=ppt/slides/slide4.xml><?xml version="1.0" encoding="utf-8"?>
 <p:sld xmlns:a="http://schemas.openxmlformats.org/drawingml/2006/main" xmlns:r="http://schemas.openxmlformats.org/officeDocument/2006/relationships" xmlns:p="http://schemas.openxmlformats.org/presentationml/2006/main">
   <p:cSld>
     <p:spTree>
@@ -5722,7 +6088,7 @@
 </p:sld>
 </file>
 
-<file path=ppt/slides/slide4.xml><?xml version="1.0" encoding="utf-8"?>
+<file path=ppt/slides/slide5.xml><?xml version="1.0" encoding="utf-8"?>
 <p:sld xmlns:a="http://schemas.openxmlformats.org/drawingml/2006/main" xmlns:r="http://schemas.openxmlformats.org/officeDocument/2006/relationships" xmlns:p="http://schemas.openxmlformats.org/presentationml/2006/main">
   <p:cSld>
     <p:spTree>
@@ -5905,7 +6271,7 @@
 </p:sld>
 </file>
 
-<file path=ppt/slides/slide5.xml><?xml version="1.0" encoding="utf-8"?>
+<file path=ppt/slides/slide6.xml><?xml version="1.0" encoding="utf-8"?>
 <p:sld xmlns:a="http://schemas.openxmlformats.org/drawingml/2006/main" xmlns:r="http://schemas.openxmlformats.org/officeDocument/2006/relationships" xmlns:p="http://schemas.openxmlformats.org/presentationml/2006/main">
   <p:cSld>
     <p:spTree>
@@ -6093,7 +6459,7 @@
 </p:sld>
 </file>
 
-<file path=ppt/slides/slide6.xml><?xml version="1.0" encoding="utf-8"?>
+<file path=ppt/slides/slide7.xml><?xml version="1.0" encoding="utf-8"?>
 <p:sld xmlns:a="http://schemas.openxmlformats.org/drawingml/2006/main" xmlns:r="http://schemas.openxmlformats.org/officeDocument/2006/relationships" xmlns:p="http://schemas.openxmlformats.org/presentationml/2006/main">
   <p:cSld>
     <p:spTree>
@@ -6538,7 +6904,7 @@
 </p:sld>
 </file>
 
-<file path=ppt/slides/slide7.xml><?xml version="1.0" encoding="utf-8"?>
+<file path=ppt/slides/slide8.xml><?xml version="1.0" encoding="utf-8"?>
 <p:sld xmlns:a="http://schemas.openxmlformats.org/drawingml/2006/main" xmlns:r="http://schemas.openxmlformats.org/officeDocument/2006/relationships" xmlns:p="http://schemas.openxmlformats.org/presentationml/2006/main">
   <p:cSld>
     <p:spTree>
@@ -6967,7 +7333,7 @@
 </p:sld>
 </file>
 
-<file path=ppt/slides/slide8.xml><?xml version="1.0" encoding="utf-8"?>
+<file path=ppt/slides/slide9.xml><?xml version="1.0" encoding="utf-8"?>
 <p:sld xmlns:a="http://schemas.openxmlformats.org/drawingml/2006/main" xmlns:r="http://schemas.openxmlformats.org/officeDocument/2006/relationships" xmlns:p="http://schemas.openxmlformats.org/presentationml/2006/main">
   <p:cSld>
     <p:spTree>
@@ -7146,190 +7512,6 @@
     <p:extLst>
       <p:ext uri="{BB962C8B-B14F-4D97-AF65-F5344CB8AC3E}">
         <p14:creationId xmlns:p14="http://schemas.microsoft.com/office/powerpoint/2010/main" val="312536669"/>
-      </p:ext>
-    </p:extLst>
-  </p:cSld>
-  <p:clrMapOvr>
-    <a:masterClrMapping/>
-  </p:clrMapOvr>
-</p:sld>
-</file>
-
-<file path=ppt/slides/slide9.xml><?xml version="1.0" encoding="utf-8"?>
-<p:sld xmlns:a="http://schemas.openxmlformats.org/drawingml/2006/main" xmlns:r="http://schemas.openxmlformats.org/officeDocument/2006/relationships" xmlns:p="http://schemas.openxmlformats.org/presentationml/2006/main">
-  <p:cSld>
-    <p:spTree>
-      <p:nvGrpSpPr>
-        <p:cNvPr id="1" name=""/>
-        <p:cNvGrpSpPr/>
-        <p:nvPr/>
-      </p:nvGrpSpPr>
-      <p:grpSpPr>
-        <a:xfrm>
-          <a:off x="0" y="0"/>
-          <a:ext cx="0" cy="0"/>
-          <a:chOff x="0" y="0"/>
-          <a:chExt cx="0" cy="0"/>
-        </a:xfrm>
-      </p:grpSpPr>
-      <p:sp>
-        <p:nvSpPr>
-          <p:cNvPr id="2" name="Título 1"/>
-          <p:cNvSpPr>
-            <a:spLocks noGrp="1"/>
-          </p:cNvSpPr>
-          <p:nvPr>
-            <p:ph type="title"/>
-          </p:nvPr>
-        </p:nvSpPr>
-        <p:spPr/>
-        <p:txBody>
-          <a:bodyPr/>
-          <a:lstStyle/>
-          <a:p>
-            <a:endParaRPr lang="pt-BR"/>
-          </a:p>
-        </p:txBody>
-      </p:sp>
-      <p:sp>
-        <p:nvSpPr>
-          <p:cNvPr id="3" name="Espaço Reservado para Conteúdo 2"/>
-          <p:cNvSpPr>
-            <a:spLocks noGrp="1"/>
-          </p:cNvSpPr>
-          <p:nvPr>
-            <p:ph idx="1"/>
-          </p:nvPr>
-        </p:nvSpPr>
-        <p:spPr/>
-        <p:txBody>
-          <a:bodyPr/>
-          <a:lstStyle/>
-          <a:p>
-            <a:endParaRPr lang="pt-BR" dirty="0" smtClean="0"/>
-          </a:p>
-          <a:p>
-            <a:r>
-              <a:rPr lang="pt-BR" dirty="0" smtClean="0"/>
-              <a:t>Tamanho </a:t>
-            </a:r>
-            <a:r>
-              <a:rPr lang="pt-BR" dirty="0"/>
-              <a:t>1024 com 32 frames</a:t>
-            </a:r>
-          </a:p>
-          <a:p>
-            <a:r>
-              <a:rPr lang="pt-BR" dirty="0"/>
-              <a:t>Tempo execução: </a:t>
-            </a:r>
-            <a:r>
-              <a:rPr lang="pt-BR" dirty="0" smtClean="0"/>
-              <a:t>17,18 </a:t>
-            </a:r>
-            <a:r>
-              <a:rPr lang="pt-BR" dirty="0"/>
-              <a:t>seg</a:t>
-            </a:r>
-          </a:p>
-          <a:p>
-            <a:endParaRPr lang="pt-BR" dirty="0"/>
-          </a:p>
-          <a:p>
-            <a:endParaRPr lang="pt-BR" dirty="0"/>
-          </a:p>
-          <a:p>
-            <a:endParaRPr lang="pt-BR" dirty="0"/>
-          </a:p>
-          <a:p>
-            <a:r>
-              <a:rPr lang="pt-BR" dirty="0"/>
-              <a:t>Tamanho 1024 com 64 frames</a:t>
-            </a:r>
-          </a:p>
-          <a:p>
-            <a:r>
-              <a:rPr lang="pt-BR" dirty="0"/>
-              <a:t>Tempo execução: </a:t>
-            </a:r>
-            <a:r>
-              <a:rPr lang="pt-BR" dirty="0" smtClean="0"/>
-              <a:t>31,03 </a:t>
-            </a:r>
-            <a:r>
-              <a:rPr lang="pt-BR" dirty="0"/>
-              <a:t>seg</a:t>
-            </a:r>
-          </a:p>
-          <a:p>
-            <a:endParaRPr lang="pt-BR" dirty="0"/>
-          </a:p>
-        </p:txBody>
-      </p:sp>
-      <p:pic>
-        <p:nvPicPr>
-          <p:cNvPr id="4" name="Imagem 3"/>
-          <p:cNvPicPr>
-            <a:picLocks noChangeAspect="1"/>
-          </p:cNvPicPr>
-          <p:nvPr/>
-        </p:nvPicPr>
-        <p:blipFill>
-          <a:blip r:embed="rId2">
-            <a:extLst>
-              <a:ext uri="{28A0092B-C50C-407E-A947-70E740481C1C}">
-                <a14:useLocalDpi xmlns:a14="http://schemas.microsoft.com/office/drawing/2010/main" val="0"/>
-              </a:ext>
-            </a:extLst>
-          </a:blip>
-          <a:stretch>
-            <a:fillRect/>
-          </a:stretch>
-        </p:blipFill>
-        <p:spPr>
-          <a:xfrm>
-            <a:off x="5148064" y="2204864"/>
-            <a:ext cx="3352800" cy="619125"/>
-          </a:xfrm>
-          <a:prstGeom prst="rect">
-            <a:avLst/>
-          </a:prstGeom>
-        </p:spPr>
-      </p:pic>
-      <p:pic>
-        <p:nvPicPr>
-          <p:cNvPr id="5" name="Imagem 4"/>
-          <p:cNvPicPr>
-            <a:picLocks noChangeAspect="1"/>
-          </p:cNvPicPr>
-          <p:nvPr/>
-        </p:nvPicPr>
-        <p:blipFill>
-          <a:blip r:embed="rId3">
-            <a:extLst>
-              <a:ext uri="{28A0092B-C50C-407E-A947-70E740481C1C}">
-                <a14:useLocalDpi xmlns:a14="http://schemas.microsoft.com/office/drawing/2010/main" val="0"/>
-              </a:ext>
-            </a:extLst>
-          </a:blip>
-          <a:stretch>
-            <a:fillRect/>
-          </a:stretch>
-        </p:blipFill>
-        <p:spPr>
-          <a:xfrm>
-            <a:off x="5170161" y="4365104"/>
-            <a:ext cx="3352800" cy="657225"/>
-          </a:xfrm>
-          <a:prstGeom prst="rect">
-            <a:avLst/>
-          </a:prstGeom>
-        </p:spPr>
-      </p:pic>
-    </p:spTree>
-    <p:extLst>
-      <p:ext uri="{BB962C8B-B14F-4D97-AF65-F5344CB8AC3E}">
-        <p14:creationId xmlns:p14="http://schemas.microsoft.com/office/powerpoint/2010/main" val="1280442028"/>
       </p:ext>
     </p:extLst>
   </p:cSld>
